--- a/business/vendor.pptx
+++ b/business/vendor.pptx
@@ -8,8 +8,9 @@
     <p:sldId id="256" r:id="rId2"/>
     <p:sldId id="257" r:id="rId3"/>
     <p:sldId id="258" r:id="rId4"/>
-    <p:sldId id="259" r:id="rId5"/>
-    <p:sldId id="260" r:id="rId6"/>
+    <p:sldId id="261" r:id="rId5"/>
+    <p:sldId id="259" r:id="rId6"/>
+    <p:sldId id="260" r:id="rId7"/>
   </p:sldIdLst>
   <p:sldSz cx="12192000" cy="6858000"/>
   <p:notesSz cx="6858000" cy="9144000"/>
@@ -7944,7 +7945,12 @@
             <p:ph idx="1"/>
           </p:nvPr>
         </p:nvSpPr>
-        <p:spPr/>
+        <p:spPr>
+          <a:xfrm>
+            <a:off x="680321" y="2336873"/>
+            <a:ext cx="10825879" cy="3599316"/>
+          </a:xfrm>
+        </p:spPr>
         <p:txBody>
           <a:bodyPr>
             <a:normAutofit/>
@@ -7973,7 +7979,18 @@
           <a:p>
             <a:r>
               <a:rPr lang="zh-CN" altLang="en-US" sz="3200" dirty="0"/>
-              <a:t>  搜索，筛选：美食类型、美食店铺、星级、热度</a:t>
+              <a:t>  搜索和筛选店铺：美食类型、美食店铺、热度</a:t>
+            </a:r>
+            <a:endParaRPr lang="en-US" altLang="zh-CN" sz="3200" dirty="0"/>
+          </a:p>
+          <a:p>
+            <a:r>
+              <a:rPr lang="en-US" altLang="zh-CN" sz="3200" dirty="0"/>
+              <a:t>  </a:t>
+            </a:r>
+            <a:r>
+              <a:rPr lang="zh-CN" altLang="en-US" sz="3200" dirty="0"/>
+              <a:t>搜索和筛选食评：某店铺名称、某食评家、附近最新的</a:t>
             </a:r>
           </a:p>
           <a:p>
@@ -7985,7 +8002,7 @@
           <a:p>
             <a:r>
               <a:rPr lang="zh-CN" altLang="en-US" sz="3200" dirty="0"/>
-              <a:t> 打赏其他帮过自己的自由美食家</a:t>
+              <a:t> 发布「寻吃」贴</a:t>
             </a:r>
           </a:p>
         </p:txBody>
@@ -8037,7 +8054,7 @@
           <a:p>
             <a:r>
               <a:rPr lang="zh-CN" altLang="en-US" dirty="0"/>
-              <a:t>自由美食家如何赚取稿费？</a:t>
+              <a:t>店家</a:t>
             </a:r>
           </a:p>
         </p:txBody>
@@ -8054,38 +8071,33 @@
         </p:nvSpPr>
         <p:spPr/>
         <p:txBody>
-          <a:bodyPr/>
+          <a:bodyPr>
+            <a:normAutofit/>
+          </a:bodyPr>
           <a:lstStyle/>
           <a:p>
             <a:r>
-              <a:rPr lang="zh-CN" altLang="en-US" dirty="0"/>
-              <a:t>平台</a:t>
-            </a:r>
-            <a:r>
-              <a:rPr lang="en-US" altLang="zh-CN" dirty="0"/>
-              <a:t>/</a:t>
-            </a:r>
-            <a:r>
-              <a:rPr lang="zh-CN" altLang="en-US" dirty="0"/>
-              <a:t>商家为撰稿美食家打赏</a:t>
-            </a:r>
-            <a:endParaRPr lang="en-US" altLang="zh-CN" dirty="0"/>
-          </a:p>
-          <a:p>
-            <a:endParaRPr lang="en-US" altLang="zh-CN" dirty="0"/>
-          </a:p>
-          <a:p>
-            <a:r>
-              <a:rPr lang="zh-CN" altLang="en-US" dirty="0"/>
-              <a:t>吃货打赏给自由美食家 </a:t>
-            </a:r>
-            <a:r>
-              <a:rPr lang="en-US" altLang="zh-CN" dirty="0"/>
+              <a:rPr lang="zh-CN" altLang="en-US" sz="3200" dirty="0"/>
+              <a:t>店家发布「寻吃」贴 </a:t>
+            </a:r>
+            <a:r>
+              <a:rPr lang="en-US" altLang="zh-CN" sz="3200" dirty="0"/>
               <a:t>– </a:t>
             </a:r>
             <a:r>
-              <a:rPr lang="zh-CN" altLang="en-US" dirty="0"/>
-              <a:t>获取详细攻略？</a:t>
+              <a:rPr lang="zh-CN" altLang="en-US" sz="3200" dirty="0"/>
+              <a:t>来品尝</a:t>
+            </a:r>
+            <a:endParaRPr lang="en-US" altLang="zh-CN" sz="3200" dirty="0"/>
+          </a:p>
+          <a:p>
+            <a:r>
+              <a:rPr lang="en-US" altLang="zh-CN" sz="3200" dirty="0"/>
+              <a:t>  </a:t>
+            </a:r>
+            <a:r>
+              <a:rPr lang="zh-CN" altLang="en-US" sz="3200" dirty="0"/>
+              <a:t>邀请各位自由食评家来品尝写食评</a:t>
             </a:r>
           </a:p>
         </p:txBody>
@@ -8093,7 +8105,7 @@
     </p:spTree>
     <p:extLst>
       <p:ext uri="{BB962C8B-B14F-4D97-AF65-F5344CB8AC3E}">
-        <p14:creationId xmlns:p14="http://schemas.microsoft.com/office/powerpoint/2010/main" val="4139616745"/>
+        <p14:creationId xmlns:p14="http://schemas.microsoft.com/office/powerpoint/2010/main" val="215028611"/>
       </p:ext>
     </p:extLst>
   </p:cSld>
@@ -8136,6 +8148,87 @@
           <a:lstStyle/>
           <a:p>
             <a:r>
+              <a:rPr lang="zh-CN" altLang="en-US" dirty="0"/>
+              <a:t>自由美食家如何赚取稿费？</a:t>
+            </a:r>
+          </a:p>
+        </p:txBody>
+      </p:sp>
+      <p:sp>
+        <p:nvSpPr>
+          <p:cNvPr id="3" name="内容占位符 2"/>
+          <p:cNvSpPr>
+            <a:spLocks noGrp="1"/>
+          </p:cNvSpPr>
+          <p:nvPr>
+            <p:ph idx="1"/>
+          </p:nvPr>
+        </p:nvSpPr>
+        <p:spPr/>
+        <p:txBody>
+          <a:bodyPr/>
+          <a:lstStyle/>
+          <a:p>
+            <a:r>
+              <a:rPr lang="zh-CN" altLang="en-US" sz="3200" dirty="0"/>
+              <a:t>解答 「寻吃」贴 ！</a:t>
+            </a:r>
+            <a:endParaRPr lang="en-US" altLang="zh-CN" sz="3200" dirty="0"/>
+          </a:p>
+          <a:p>
+            <a:endParaRPr lang="en-US" altLang="zh-CN" dirty="0"/>
+          </a:p>
+          <a:p>
+            <a:endParaRPr lang="zh-CN" altLang="en-US" dirty="0"/>
+          </a:p>
+        </p:txBody>
+      </p:sp>
+    </p:spTree>
+    <p:extLst>
+      <p:ext uri="{BB962C8B-B14F-4D97-AF65-F5344CB8AC3E}">
+        <p14:creationId xmlns:p14="http://schemas.microsoft.com/office/powerpoint/2010/main" val="4139616745"/>
+      </p:ext>
+    </p:extLst>
+  </p:cSld>
+  <p:clrMapOvr>
+    <a:masterClrMapping/>
+  </p:clrMapOvr>
+</p:sld>
+</file>
+
+<file path=ppt/slides/slide6.xml><?xml version="1.0" encoding="utf-8"?>
+<p:sld xmlns:a="http://schemas.openxmlformats.org/drawingml/2006/main" xmlns:r="http://schemas.openxmlformats.org/officeDocument/2006/relationships" xmlns:p="http://schemas.openxmlformats.org/presentationml/2006/main">
+  <p:cSld>
+    <p:spTree>
+      <p:nvGrpSpPr>
+        <p:cNvPr id="1" name=""/>
+        <p:cNvGrpSpPr/>
+        <p:nvPr/>
+      </p:nvGrpSpPr>
+      <p:grpSpPr>
+        <a:xfrm>
+          <a:off x="0" y="0"/>
+          <a:ext cx="0" cy="0"/>
+          <a:chOff x="0" y="0"/>
+          <a:chExt cx="0" cy="0"/>
+        </a:xfrm>
+      </p:grpSpPr>
+      <p:sp>
+        <p:nvSpPr>
+          <p:cNvPr id="2" name="标题 1"/>
+          <p:cNvSpPr>
+            <a:spLocks noGrp="1"/>
+          </p:cNvSpPr>
+          <p:nvPr>
+            <p:ph type="title"/>
+          </p:nvPr>
+        </p:nvSpPr>
+        <p:spPr/>
+        <p:txBody>
+          <a:bodyPr/>
+          <a:lstStyle/>
+          <a:p>
+            <a:r>
               <a:rPr lang="en-US" altLang="zh-CN" dirty="0"/>
               <a:t>Cross </a:t>
             </a:r>
@@ -8181,6 +8274,18 @@
               <a:rPr lang="zh-CN" altLang="en-US" dirty="0"/>
               <a:t>活动动态</a:t>
             </a:r>
+            <a:r>
+              <a:rPr lang="en-US" altLang="zh-CN" dirty="0"/>
+              <a:t>(</a:t>
+            </a:r>
+            <a:r>
+              <a:rPr lang="zh-CN" altLang="en-US"/>
+              <a:t>预留</a:t>
+            </a:r>
+            <a:r>
+              <a:rPr lang="en-US" altLang="zh-CN"/>
+              <a:t>)</a:t>
+            </a:r>
             <a:endParaRPr lang="en-US" altLang="zh-CN" dirty="0"/>
           </a:p>
           <a:p>
@@ -8221,13 +8326,8 @@
           <a:p>
             <a:r>
               <a:rPr lang="zh-CN" altLang="en-US" dirty="0"/>
-              <a:t>解答「寻吃」</a:t>
-            </a:r>
-            <a:r>
-              <a:rPr lang="zh-CN" altLang="en-US"/>
-              <a:t>贴，收获认同</a:t>
-            </a:r>
-            <a:endParaRPr lang="zh-CN" altLang="en-US" dirty="0"/>
+              <a:t>解答「寻吃」贴，收获认同</a:t>
+            </a:r>
           </a:p>
         </p:txBody>
       </p:sp>
